--- a/ml/JournalNayet.pptx
+++ b/ml/JournalNayet.pptx
@@ -7,6 +7,7 @@
   <p:sldIdLst>
     <p:sldId id="256" r:id="rId2"/>
     <p:sldId id="257" r:id="rId3"/>
+    <p:sldId id="258" r:id="rId4"/>
   </p:sldIdLst>
   <p:sldSz cx="12192000" cy="6858000"/>
   <p:notesSz cx="6858000" cy="9144000"/>
@@ -105,6 +106,11 @@
       </a:defRPr>
     </a:lvl9pPr>
   </p:defaultTextStyle>
+  <p:extLst>
+    <p:ext uri="{EFAFB233-063F-42B5-8137-9DF3F51BA10A}">
+      <p15:sldGuideLst xmlns:p15="http://schemas.microsoft.com/office/powerpoint/2012/main"/>
+    </p:ext>
+  </p:extLst>
 </p:presentation>
 </file>
 
@@ -251,7 +257,7 @@
           <a:p>
             <a:fld id="{2485E9DA-D8C1-4CB3-AA1D-2F0F44DCFE34}" type="datetimeFigureOut">
               <a:rPr lang="fr-FR" smtClean="0"/>
-              <a:t>27/04/2021</a:t>
+              <a:t>04/05/2021</a:t>
             </a:fld>
             <a:endParaRPr lang="fr-FR"/>
           </a:p>
@@ -421,7 +427,7 @@
           <a:p>
             <a:fld id="{2485E9DA-D8C1-4CB3-AA1D-2F0F44DCFE34}" type="datetimeFigureOut">
               <a:rPr lang="fr-FR" smtClean="0"/>
-              <a:t>27/04/2021</a:t>
+              <a:t>04/05/2021</a:t>
             </a:fld>
             <a:endParaRPr lang="fr-FR"/>
           </a:p>
@@ -601,7 +607,7 @@
           <a:p>
             <a:fld id="{2485E9DA-D8C1-4CB3-AA1D-2F0F44DCFE34}" type="datetimeFigureOut">
               <a:rPr lang="fr-FR" smtClean="0"/>
-              <a:t>27/04/2021</a:t>
+              <a:t>04/05/2021</a:t>
             </a:fld>
             <a:endParaRPr lang="fr-FR"/>
           </a:p>
@@ -771,7 +777,7 @@
           <a:p>
             <a:fld id="{2485E9DA-D8C1-4CB3-AA1D-2F0F44DCFE34}" type="datetimeFigureOut">
               <a:rPr lang="fr-FR" smtClean="0"/>
-              <a:t>27/04/2021</a:t>
+              <a:t>04/05/2021</a:t>
             </a:fld>
             <a:endParaRPr lang="fr-FR"/>
           </a:p>
@@ -1017,7 +1023,7 @@
           <a:p>
             <a:fld id="{2485E9DA-D8C1-4CB3-AA1D-2F0F44DCFE34}" type="datetimeFigureOut">
               <a:rPr lang="fr-FR" smtClean="0"/>
-              <a:t>27/04/2021</a:t>
+              <a:t>04/05/2021</a:t>
             </a:fld>
             <a:endParaRPr lang="fr-FR"/>
           </a:p>
@@ -1249,7 +1255,7 @@
           <a:p>
             <a:fld id="{2485E9DA-D8C1-4CB3-AA1D-2F0F44DCFE34}" type="datetimeFigureOut">
               <a:rPr lang="fr-FR" smtClean="0"/>
-              <a:t>27/04/2021</a:t>
+              <a:t>04/05/2021</a:t>
             </a:fld>
             <a:endParaRPr lang="fr-FR"/>
           </a:p>
@@ -1616,7 +1622,7 @@
           <a:p>
             <a:fld id="{2485E9DA-D8C1-4CB3-AA1D-2F0F44DCFE34}" type="datetimeFigureOut">
               <a:rPr lang="fr-FR" smtClean="0"/>
-              <a:t>27/04/2021</a:t>
+              <a:t>04/05/2021</a:t>
             </a:fld>
             <a:endParaRPr lang="fr-FR"/>
           </a:p>
@@ -1734,7 +1740,7 @@
           <a:p>
             <a:fld id="{2485E9DA-D8C1-4CB3-AA1D-2F0F44DCFE34}" type="datetimeFigureOut">
               <a:rPr lang="fr-FR" smtClean="0"/>
-              <a:t>27/04/2021</a:t>
+              <a:t>04/05/2021</a:t>
             </a:fld>
             <a:endParaRPr lang="fr-FR"/>
           </a:p>
@@ -1829,7 +1835,7 @@
           <a:p>
             <a:fld id="{2485E9DA-D8C1-4CB3-AA1D-2F0F44DCFE34}" type="datetimeFigureOut">
               <a:rPr lang="fr-FR" smtClean="0"/>
-              <a:t>27/04/2021</a:t>
+              <a:t>04/05/2021</a:t>
             </a:fld>
             <a:endParaRPr lang="fr-FR"/>
           </a:p>
@@ -2106,7 +2112,7 @@
           <a:p>
             <a:fld id="{2485E9DA-D8C1-4CB3-AA1D-2F0F44DCFE34}" type="datetimeFigureOut">
               <a:rPr lang="fr-FR" smtClean="0"/>
-              <a:t>27/04/2021</a:t>
+              <a:t>04/05/2021</a:t>
             </a:fld>
             <a:endParaRPr lang="fr-FR"/>
           </a:p>
@@ -2359,7 +2365,7 @@
           <a:p>
             <a:fld id="{2485E9DA-D8C1-4CB3-AA1D-2F0F44DCFE34}" type="datetimeFigureOut">
               <a:rPr lang="fr-FR" smtClean="0"/>
-              <a:t>27/04/2021</a:t>
+              <a:t>04/05/2021</a:t>
             </a:fld>
             <a:endParaRPr lang="fr-FR"/>
           </a:p>
@@ -2572,7 +2578,7 @@
           <a:p>
             <a:fld id="{2485E9DA-D8C1-4CB3-AA1D-2F0F44DCFE34}" type="datetimeFigureOut">
               <a:rPr lang="fr-FR" smtClean="0"/>
-              <a:t>27/04/2021</a:t>
+              <a:t>04/05/2021</a:t>
             </a:fld>
             <a:endParaRPr lang="fr-FR"/>
           </a:p>
@@ -4573,7 +4579,12 @@
             <p:ph type="title"/>
           </p:nvPr>
         </p:nvSpPr>
-        <p:spPr/>
+        <p:spPr>
+          <a:xfrm>
+            <a:off x="838200" y="889686"/>
+            <a:ext cx="10515600" cy="801002"/>
+          </a:xfrm>
+        </p:spPr>
         <p:txBody>
           <a:bodyPr>
             <a:normAutofit/>
@@ -4598,7 +4609,12 @@
             <p:ph idx="1"/>
           </p:nvPr>
         </p:nvSpPr>
-        <p:spPr/>
+        <p:spPr>
+          <a:xfrm>
+            <a:off x="838200" y="1825625"/>
+            <a:ext cx="10515600" cy="1691932"/>
+          </a:xfrm>
+        </p:spPr>
         <p:txBody>
           <a:bodyPr>
             <a:normAutofit/>
@@ -4643,7 +4659,268 @@
           <a:p>
             <a:r>
               <a:rPr lang="fr-FR" sz="2000" dirty="0" smtClean="0"/>
-              <a:t>Recherche sur l’ACP</a:t>
+              <a:t>‘Recherche’ </a:t>
+            </a:r>
+            <a:r>
+              <a:rPr lang="fr-FR" sz="2000" dirty="0" smtClean="0"/>
+              <a:t>sur l’ACP</a:t>
+            </a:r>
+            <a:endParaRPr lang="fr-FR" sz="2000" dirty="0"/>
+          </a:p>
+        </p:txBody>
+      </p:sp>
+      <p:sp>
+        <p:nvSpPr>
+          <p:cNvPr id="4" name="Titre 1"/>
+          <p:cNvSpPr txBox="1">
+            <a:spLocks/>
+          </p:cNvSpPr>
+          <p:nvPr/>
+        </p:nvSpPr>
+        <p:spPr>
+          <a:xfrm>
+            <a:off x="838200" y="3739978"/>
+            <a:ext cx="10515600" cy="698029"/>
+          </a:xfrm>
+          <a:prstGeom prst="rect">
+            <a:avLst/>
+          </a:prstGeom>
+        </p:spPr>
+        <p:txBody>
+          <a:bodyPr vert="horz" lIns="91440" tIns="45720" rIns="91440" bIns="45720" rtlCol="0" anchor="ctr">
+            <a:normAutofit/>
+          </a:bodyPr>
+          <a:lstStyle>
+            <a:lvl1pPr algn="l" defTabSz="914400" rtl="0" eaLnBrk="1" latinLnBrk="0" hangingPunct="1">
+              <a:lnSpc>
+                <a:spcPct val="90000"/>
+              </a:lnSpc>
+              <a:spcBef>
+                <a:spcPct val="0"/>
+              </a:spcBef>
+              <a:buNone/>
+              <a:defRPr sz="4400" kern="1200">
+                <a:solidFill>
+                  <a:schemeClr val="tx1"/>
+                </a:solidFill>
+                <a:latin typeface="+mj-lt"/>
+                <a:ea typeface="+mj-ea"/>
+                <a:cs typeface="+mj-cs"/>
+              </a:defRPr>
+            </a:lvl1pPr>
+          </a:lstStyle>
+          <a:p>
+            <a:r>
+              <a:rPr lang="fr-FR" sz="2000" i="1" dirty="0" smtClean="0"/>
+              <a:t>03/05/21</a:t>
+            </a:r>
+            <a:endParaRPr lang="fr-FR" sz="2000" i="1" dirty="0"/>
+          </a:p>
+        </p:txBody>
+      </p:sp>
+      <p:sp>
+        <p:nvSpPr>
+          <p:cNvPr id="5" name="Espace réservé du contenu 2"/>
+          <p:cNvSpPr txBox="1">
+            <a:spLocks/>
+          </p:cNvSpPr>
+          <p:nvPr/>
+        </p:nvSpPr>
+        <p:spPr>
+          <a:xfrm>
+            <a:off x="838200" y="4595834"/>
+            <a:ext cx="10515600" cy="1669041"/>
+          </a:xfrm>
+          <a:prstGeom prst="rect">
+            <a:avLst/>
+          </a:prstGeom>
+        </p:spPr>
+        <p:txBody>
+          <a:bodyPr vert="horz" lIns="91440" tIns="45720" rIns="91440" bIns="45720" rtlCol="0">
+            <a:normAutofit/>
+          </a:bodyPr>
+          <a:lstStyle>
+            <a:lvl1pPr marL="228600" indent="-228600" algn="l" defTabSz="914400" rtl="0" eaLnBrk="1" latinLnBrk="0" hangingPunct="1">
+              <a:lnSpc>
+                <a:spcPct val="90000"/>
+              </a:lnSpc>
+              <a:spcBef>
+                <a:spcPts val="1000"/>
+              </a:spcBef>
+              <a:buFont typeface="Arial" panose="020B0604020202020204" pitchFamily="34" charset="0"/>
+              <a:buChar char="•"/>
+              <a:defRPr sz="2800" kern="1200">
+                <a:solidFill>
+                  <a:schemeClr val="tx1"/>
+                </a:solidFill>
+                <a:latin typeface="+mn-lt"/>
+                <a:ea typeface="+mn-ea"/>
+                <a:cs typeface="+mn-cs"/>
+              </a:defRPr>
+            </a:lvl1pPr>
+            <a:lvl2pPr marL="685800" indent="-228600" algn="l" defTabSz="914400" rtl="0" eaLnBrk="1" latinLnBrk="0" hangingPunct="1">
+              <a:lnSpc>
+                <a:spcPct val="90000"/>
+              </a:lnSpc>
+              <a:spcBef>
+                <a:spcPts val="500"/>
+              </a:spcBef>
+              <a:buFont typeface="Arial" panose="020B0604020202020204" pitchFamily="34" charset="0"/>
+              <a:buChar char="•"/>
+              <a:defRPr sz="2400" kern="1200">
+                <a:solidFill>
+                  <a:schemeClr val="tx1"/>
+                </a:solidFill>
+                <a:latin typeface="+mn-lt"/>
+                <a:ea typeface="+mn-ea"/>
+                <a:cs typeface="+mn-cs"/>
+              </a:defRPr>
+            </a:lvl2pPr>
+            <a:lvl3pPr marL="1143000" indent="-228600" algn="l" defTabSz="914400" rtl="0" eaLnBrk="1" latinLnBrk="0" hangingPunct="1">
+              <a:lnSpc>
+                <a:spcPct val="90000"/>
+              </a:lnSpc>
+              <a:spcBef>
+                <a:spcPts val="500"/>
+              </a:spcBef>
+              <a:buFont typeface="Arial" panose="020B0604020202020204" pitchFamily="34" charset="0"/>
+              <a:buChar char="•"/>
+              <a:defRPr sz="2000" kern="1200">
+                <a:solidFill>
+                  <a:schemeClr val="tx1"/>
+                </a:solidFill>
+                <a:latin typeface="+mn-lt"/>
+                <a:ea typeface="+mn-ea"/>
+                <a:cs typeface="+mn-cs"/>
+              </a:defRPr>
+            </a:lvl3pPr>
+            <a:lvl4pPr marL="1600200" indent="-228600" algn="l" defTabSz="914400" rtl="0" eaLnBrk="1" latinLnBrk="0" hangingPunct="1">
+              <a:lnSpc>
+                <a:spcPct val="90000"/>
+              </a:lnSpc>
+              <a:spcBef>
+                <a:spcPts val="500"/>
+              </a:spcBef>
+              <a:buFont typeface="Arial" panose="020B0604020202020204" pitchFamily="34" charset="0"/>
+              <a:buChar char="•"/>
+              <a:defRPr sz="1800" kern="1200">
+                <a:solidFill>
+                  <a:schemeClr val="tx1"/>
+                </a:solidFill>
+                <a:latin typeface="+mn-lt"/>
+                <a:ea typeface="+mn-ea"/>
+                <a:cs typeface="+mn-cs"/>
+              </a:defRPr>
+            </a:lvl4pPr>
+            <a:lvl5pPr marL="2057400" indent="-228600" algn="l" defTabSz="914400" rtl="0" eaLnBrk="1" latinLnBrk="0" hangingPunct="1">
+              <a:lnSpc>
+                <a:spcPct val="90000"/>
+              </a:lnSpc>
+              <a:spcBef>
+                <a:spcPts val="500"/>
+              </a:spcBef>
+              <a:buFont typeface="Arial" panose="020B0604020202020204" pitchFamily="34" charset="0"/>
+              <a:buChar char="•"/>
+              <a:defRPr sz="1800" kern="1200">
+                <a:solidFill>
+                  <a:schemeClr val="tx1"/>
+                </a:solidFill>
+                <a:latin typeface="+mn-lt"/>
+                <a:ea typeface="+mn-ea"/>
+                <a:cs typeface="+mn-cs"/>
+              </a:defRPr>
+            </a:lvl5pPr>
+            <a:lvl6pPr marL="2514600" indent="-228600" algn="l" defTabSz="914400" rtl="0" eaLnBrk="1" latinLnBrk="0" hangingPunct="1">
+              <a:lnSpc>
+                <a:spcPct val="90000"/>
+              </a:lnSpc>
+              <a:spcBef>
+                <a:spcPts val="500"/>
+              </a:spcBef>
+              <a:buFont typeface="Arial" panose="020B0604020202020204" pitchFamily="34" charset="0"/>
+              <a:buChar char="•"/>
+              <a:defRPr sz="1800" kern="1200">
+                <a:solidFill>
+                  <a:schemeClr val="tx1"/>
+                </a:solidFill>
+                <a:latin typeface="+mn-lt"/>
+                <a:ea typeface="+mn-ea"/>
+                <a:cs typeface="+mn-cs"/>
+              </a:defRPr>
+            </a:lvl6pPr>
+            <a:lvl7pPr marL="2971800" indent="-228600" algn="l" defTabSz="914400" rtl="0" eaLnBrk="1" latinLnBrk="0" hangingPunct="1">
+              <a:lnSpc>
+                <a:spcPct val="90000"/>
+              </a:lnSpc>
+              <a:spcBef>
+                <a:spcPts val="500"/>
+              </a:spcBef>
+              <a:buFont typeface="Arial" panose="020B0604020202020204" pitchFamily="34" charset="0"/>
+              <a:buChar char="•"/>
+              <a:defRPr sz="1800" kern="1200">
+                <a:solidFill>
+                  <a:schemeClr val="tx1"/>
+                </a:solidFill>
+                <a:latin typeface="+mn-lt"/>
+                <a:ea typeface="+mn-ea"/>
+                <a:cs typeface="+mn-cs"/>
+              </a:defRPr>
+            </a:lvl7pPr>
+            <a:lvl8pPr marL="3429000" indent="-228600" algn="l" defTabSz="914400" rtl="0" eaLnBrk="1" latinLnBrk="0" hangingPunct="1">
+              <a:lnSpc>
+                <a:spcPct val="90000"/>
+              </a:lnSpc>
+              <a:spcBef>
+                <a:spcPts val="500"/>
+              </a:spcBef>
+              <a:buFont typeface="Arial" panose="020B0604020202020204" pitchFamily="34" charset="0"/>
+              <a:buChar char="•"/>
+              <a:defRPr sz="1800" kern="1200">
+                <a:solidFill>
+                  <a:schemeClr val="tx1"/>
+                </a:solidFill>
+                <a:latin typeface="+mn-lt"/>
+                <a:ea typeface="+mn-ea"/>
+                <a:cs typeface="+mn-cs"/>
+              </a:defRPr>
+            </a:lvl8pPr>
+            <a:lvl9pPr marL="3886200" indent="-228600" algn="l" defTabSz="914400" rtl="0" eaLnBrk="1" latinLnBrk="0" hangingPunct="1">
+              <a:lnSpc>
+                <a:spcPct val="90000"/>
+              </a:lnSpc>
+              <a:spcBef>
+                <a:spcPts val="500"/>
+              </a:spcBef>
+              <a:buFont typeface="Arial" panose="020B0604020202020204" pitchFamily="34" charset="0"/>
+              <a:buChar char="•"/>
+              <a:defRPr sz="1800" kern="1200">
+                <a:solidFill>
+                  <a:schemeClr val="tx1"/>
+                </a:solidFill>
+                <a:latin typeface="+mn-lt"/>
+                <a:ea typeface="+mn-ea"/>
+                <a:cs typeface="+mn-cs"/>
+              </a:defRPr>
+            </a:lvl9pPr>
+          </a:lstStyle>
+          <a:p>
+            <a:r>
+              <a:rPr lang="fr-FR" sz="2000" dirty="0"/>
+              <a:t>Recherche sur </a:t>
+            </a:r>
+            <a:r>
+              <a:rPr lang="fr-FR" sz="2000" dirty="0" smtClean="0"/>
+              <a:t>l’ACP</a:t>
+            </a:r>
+          </a:p>
+          <a:p>
+            <a:r>
+              <a:rPr lang="fr-FR" sz="2000" dirty="0" smtClean="0"/>
+              <a:t>Essai d’utilisation de </a:t>
+            </a:r>
+            <a:r>
+              <a:rPr lang="fr-FR" sz="2000" dirty="0" err="1" smtClean="0"/>
+              <a:t>Kmeans</a:t>
             </a:r>
             <a:endParaRPr lang="fr-FR" sz="2000" dirty="0"/>
           </a:p>
@@ -4653,6 +4930,301 @@
     <p:extLst>
       <p:ext uri="{BB962C8B-B14F-4D97-AF65-F5344CB8AC3E}">
         <p14:creationId xmlns:p14="http://schemas.microsoft.com/office/powerpoint/2010/main" val="3171190440"/>
+      </p:ext>
+    </p:extLst>
+  </p:cSld>
+  <p:clrMapOvr>
+    <a:masterClrMapping/>
+  </p:clrMapOvr>
+</p:sld>
+</file>
+
+<file path=ppt/slides/slide3.xml><?xml version="1.0" encoding="utf-8"?>
+<p:sld xmlns:a="http://schemas.openxmlformats.org/drawingml/2006/main" xmlns:r="http://schemas.openxmlformats.org/officeDocument/2006/relationships" xmlns:p="http://schemas.openxmlformats.org/presentationml/2006/main">
+  <p:cSld>
+    <p:spTree>
+      <p:nvGrpSpPr>
+        <p:cNvPr id="1" name=""/>
+        <p:cNvGrpSpPr/>
+        <p:nvPr/>
+      </p:nvGrpSpPr>
+      <p:grpSpPr>
+        <a:xfrm>
+          <a:off x="0" y="0"/>
+          <a:ext cx="0" cy="0"/>
+          <a:chOff x="0" y="0"/>
+          <a:chExt cx="0" cy="0"/>
+        </a:xfrm>
+      </p:grpSpPr>
+      <p:sp>
+        <p:nvSpPr>
+          <p:cNvPr id="4" name="Titre 1"/>
+          <p:cNvSpPr txBox="1">
+            <a:spLocks/>
+          </p:cNvSpPr>
+          <p:nvPr/>
+        </p:nvSpPr>
+        <p:spPr>
+          <a:xfrm>
+            <a:off x="920579" y="387178"/>
+            <a:ext cx="10515600" cy="698029"/>
+          </a:xfrm>
+          <a:prstGeom prst="rect">
+            <a:avLst/>
+          </a:prstGeom>
+        </p:spPr>
+        <p:txBody>
+          <a:bodyPr vert="horz" lIns="91440" tIns="45720" rIns="91440" bIns="45720" rtlCol="0" anchor="ctr">
+            <a:normAutofit/>
+          </a:bodyPr>
+          <a:lstStyle>
+            <a:lvl1pPr algn="l" defTabSz="914400" rtl="0" eaLnBrk="1" latinLnBrk="0" hangingPunct="1">
+              <a:lnSpc>
+                <a:spcPct val="90000"/>
+              </a:lnSpc>
+              <a:spcBef>
+                <a:spcPct val="0"/>
+              </a:spcBef>
+              <a:buNone/>
+              <a:defRPr sz="4400" kern="1200">
+                <a:solidFill>
+                  <a:schemeClr val="tx1"/>
+                </a:solidFill>
+                <a:latin typeface="+mj-lt"/>
+                <a:ea typeface="+mj-ea"/>
+                <a:cs typeface="+mj-cs"/>
+              </a:defRPr>
+            </a:lvl1pPr>
+          </a:lstStyle>
+          <a:p>
+            <a:r>
+              <a:rPr lang="fr-FR" sz="2000" i="1" dirty="0" smtClean="0"/>
+              <a:t>04/05/21</a:t>
+            </a:r>
+            <a:endParaRPr lang="fr-FR" sz="2000" i="1" dirty="0"/>
+          </a:p>
+        </p:txBody>
+      </p:sp>
+      <p:sp>
+        <p:nvSpPr>
+          <p:cNvPr id="5" name="Espace réservé du contenu 2"/>
+          <p:cNvSpPr txBox="1">
+            <a:spLocks/>
+          </p:cNvSpPr>
+          <p:nvPr/>
+        </p:nvSpPr>
+        <p:spPr>
+          <a:xfrm>
+            <a:off x="920579" y="1243034"/>
+            <a:ext cx="10515600" cy="1669041"/>
+          </a:xfrm>
+          <a:prstGeom prst="rect">
+            <a:avLst/>
+          </a:prstGeom>
+        </p:spPr>
+        <p:txBody>
+          <a:bodyPr vert="horz" lIns="91440" tIns="45720" rIns="91440" bIns="45720" rtlCol="0">
+            <a:normAutofit/>
+          </a:bodyPr>
+          <a:lstStyle>
+            <a:lvl1pPr marL="228600" indent="-228600" algn="l" defTabSz="914400" rtl="0" eaLnBrk="1" latinLnBrk="0" hangingPunct="1">
+              <a:lnSpc>
+                <a:spcPct val="90000"/>
+              </a:lnSpc>
+              <a:spcBef>
+                <a:spcPts val="1000"/>
+              </a:spcBef>
+              <a:buFont typeface="Arial" panose="020B0604020202020204" pitchFamily="34" charset="0"/>
+              <a:buChar char="•"/>
+              <a:defRPr sz="2800" kern="1200">
+                <a:solidFill>
+                  <a:schemeClr val="tx1"/>
+                </a:solidFill>
+                <a:latin typeface="+mn-lt"/>
+                <a:ea typeface="+mn-ea"/>
+                <a:cs typeface="+mn-cs"/>
+              </a:defRPr>
+            </a:lvl1pPr>
+            <a:lvl2pPr marL="685800" indent="-228600" algn="l" defTabSz="914400" rtl="0" eaLnBrk="1" latinLnBrk="0" hangingPunct="1">
+              <a:lnSpc>
+                <a:spcPct val="90000"/>
+              </a:lnSpc>
+              <a:spcBef>
+                <a:spcPts val="500"/>
+              </a:spcBef>
+              <a:buFont typeface="Arial" panose="020B0604020202020204" pitchFamily="34" charset="0"/>
+              <a:buChar char="•"/>
+              <a:defRPr sz="2400" kern="1200">
+                <a:solidFill>
+                  <a:schemeClr val="tx1"/>
+                </a:solidFill>
+                <a:latin typeface="+mn-lt"/>
+                <a:ea typeface="+mn-ea"/>
+                <a:cs typeface="+mn-cs"/>
+              </a:defRPr>
+            </a:lvl2pPr>
+            <a:lvl3pPr marL="1143000" indent="-228600" algn="l" defTabSz="914400" rtl="0" eaLnBrk="1" latinLnBrk="0" hangingPunct="1">
+              <a:lnSpc>
+                <a:spcPct val="90000"/>
+              </a:lnSpc>
+              <a:spcBef>
+                <a:spcPts val="500"/>
+              </a:spcBef>
+              <a:buFont typeface="Arial" panose="020B0604020202020204" pitchFamily="34" charset="0"/>
+              <a:buChar char="•"/>
+              <a:defRPr sz="2000" kern="1200">
+                <a:solidFill>
+                  <a:schemeClr val="tx1"/>
+                </a:solidFill>
+                <a:latin typeface="+mn-lt"/>
+                <a:ea typeface="+mn-ea"/>
+                <a:cs typeface="+mn-cs"/>
+              </a:defRPr>
+            </a:lvl3pPr>
+            <a:lvl4pPr marL="1600200" indent="-228600" algn="l" defTabSz="914400" rtl="0" eaLnBrk="1" latinLnBrk="0" hangingPunct="1">
+              <a:lnSpc>
+                <a:spcPct val="90000"/>
+              </a:lnSpc>
+              <a:spcBef>
+                <a:spcPts val="500"/>
+              </a:spcBef>
+              <a:buFont typeface="Arial" panose="020B0604020202020204" pitchFamily="34" charset="0"/>
+              <a:buChar char="•"/>
+              <a:defRPr sz="1800" kern="1200">
+                <a:solidFill>
+                  <a:schemeClr val="tx1"/>
+                </a:solidFill>
+                <a:latin typeface="+mn-lt"/>
+                <a:ea typeface="+mn-ea"/>
+                <a:cs typeface="+mn-cs"/>
+              </a:defRPr>
+            </a:lvl4pPr>
+            <a:lvl5pPr marL="2057400" indent="-228600" algn="l" defTabSz="914400" rtl="0" eaLnBrk="1" latinLnBrk="0" hangingPunct="1">
+              <a:lnSpc>
+                <a:spcPct val="90000"/>
+              </a:lnSpc>
+              <a:spcBef>
+                <a:spcPts val="500"/>
+              </a:spcBef>
+              <a:buFont typeface="Arial" panose="020B0604020202020204" pitchFamily="34" charset="0"/>
+              <a:buChar char="•"/>
+              <a:defRPr sz="1800" kern="1200">
+                <a:solidFill>
+                  <a:schemeClr val="tx1"/>
+                </a:solidFill>
+                <a:latin typeface="+mn-lt"/>
+                <a:ea typeface="+mn-ea"/>
+                <a:cs typeface="+mn-cs"/>
+              </a:defRPr>
+            </a:lvl5pPr>
+            <a:lvl6pPr marL="2514600" indent="-228600" algn="l" defTabSz="914400" rtl="0" eaLnBrk="1" latinLnBrk="0" hangingPunct="1">
+              <a:lnSpc>
+                <a:spcPct val="90000"/>
+              </a:lnSpc>
+              <a:spcBef>
+                <a:spcPts val="500"/>
+              </a:spcBef>
+              <a:buFont typeface="Arial" panose="020B0604020202020204" pitchFamily="34" charset="0"/>
+              <a:buChar char="•"/>
+              <a:defRPr sz="1800" kern="1200">
+                <a:solidFill>
+                  <a:schemeClr val="tx1"/>
+                </a:solidFill>
+                <a:latin typeface="+mn-lt"/>
+                <a:ea typeface="+mn-ea"/>
+                <a:cs typeface="+mn-cs"/>
+              </a:defRPr>
+            </a:lvl6pPr>
+            <a:lvl7pPr marL="2971800" indent="-228600" algn="l" defTabSz="914400" rtl="0" eaLnBrk="1" latinLnBrk="0" hangingPunct="1">
+              <a:lnSpc>
+                <a:spcPct val="90000"/>
+              </a:lnSpc>
+              <a:spcBef>
+                <a:spcPts val="500"/>
+              </a:spcBef>
+              <a:buFont typeface="Arial" panose="020B0604020202020204" pitchFamily="34" charset="0"/>
+              <a:buChar char="•"/>
+              <a:defRPr sz="1800" kern="1200">
+                <a:solidFill>
+                  <a:schemeClr val="tx1"/>
+                </a:solidFill>
+                <a:latin typeface="+mn-lt"/>
+                <a:ea typeface="+mn-ea"/>
+                <a:cs typeface="+mn-cs"/>
+              </a:defRPr>
+            </a:lvl7pPr>
+            <a:lvl8pPr marL="3429000" indent="-228600" algn="l" defTabSz="914400" rtl="0" eaLnBrk="1" latinLnBrk="0" hangingPunct="1">
+              <a:lnSpc>
+                <a:spcPct val="90000"/>
+              </a:lnSpc>
+              <a:spcBef>
+                <a:spcPts val="500"/>
+              </a:spcBef>
+              <a:buFont typeface="Arial" panose="020B0604020202020204" pitchFamily="34" charset="0"/>
+              <a:buChar char="•"/>
+              <a:defRPr sz="1800" kern="1200">
+                <a:solidFill>
+                  <a:schemeClr val="tx1"/>
+                </a:solidFill>
+                <a:latin typeface="+mn-lt"/>
+                <a:ea typeface="+mn-ea"/>
+                <a:cs typeface="+mn-cs"/>
+              </a:defRPr>
+            </a:lvl8pPr>
+            <a:lvl9pPr marL="3886200" indent="-228600" algn="l" defTabSz="914400" rtl="0" eaLnBrk="1" latinLnBrk="0" hangingPunct="1">
+              <a:lnSpc>
+                <a:spcPct val="90000"/>
+              </a:lnSpc>
+              <a:spcBef>
+                <a:spcPts val="500"/>
+              </a:spcBef>
+              <a:buFont typeface="Arial" panose="020B0604020202020204" pitchFamily="34" charset="0"/>
+              <a:buChar char="•"/>
+              <a:defRPr sz="1800" kern="1200">
+                <a:solidFill>
+                  <a:schemeClr val="tx1"/>
+                </a:solidFill>
+                <a:latin typeface="+mn-lt"/>
+                <a:ea typeface="+mn-ea"/>
+                <a:cs typeface="+mn-cs"/>
+              </a:defRPr>
+            </a:lvl9pPr>
+          </a:lstStyle>
+          <a:p>
+            <a:r>
+              <a:rPr lang="fr-FR" sz="2000" dirty="0"/>
+              <a:t>Recherche sur </a:t>
+            </a:r>
+            <a:r>
+              <a:rPr lang="fr-FR" sz="2000" dirty="0" smtClean="0"/>
+              <a:t>l’ACP</a:t>
+            </a:r>
+          </a:p>
+          <a:p>
+            <a:r>
+              <a:rPr lang="fr-FR" sz="2000" dirty="0" smtClean="0"/>
+              <a:t>Tentative mise en commun </a:t>
+            </a:r>
+            <a:r>
+              <a:rPr lang="fr-FR" sz="2000" dirty="0" err="1" smtClean="0"/>
+              <a:t>acp</a:t>
+            </a:r>
+            <a:r>
+              <a:rPr lang="fr-FR" sz="2000" dirty="0" smtClean="0"/>
+              <a:t> et </a:t>
+            </a:r>
+            <a:r>
+              <a:rPr lang="fr-FR" sz="2000" dirty="0" err="1" smtClean="0"/>
+              <a:t>kmeans</a:t>
+            </a:r>
+            <a:endParaRPr lang="fr-FR" sz="2000" dirty="0"/>
+          </a:p>
+        </p:txBody>
+      </p:sp>
+    </p:spTree>
+    <p:extLst>
+      <p:ext uri="{BB962C8B-B14F-4D97-AF65-F5344CB8AC3E}">
+        <p14:creationId xmlns:p14="http://schemas.microsoft.com/office/powerpoint/2010/main" val="3468510917"/>
       </p:ext>
     </p:extLst>
   </p:cSld>

--- a/ml/JournalNayet.pptx
+++ b/ml/JournalNayet.pptx
@@ -257,7 +257,7 @@
           <a:p>
             <a:fld id="{2485E9DA-D8C1-4CB3-AA1D-2F0F44DCFE34}" type="datetimeFigureOut">
               <a:rPr lang="fr-FR" smtClean="0"/>
-              <a:t>04/05/2021</a:t>
+              <a:t>11/05/2021</a:t>
             </a:fld>
             <a:endParaRPr lang="fr-FR"/>
           </a:p>
@@ -427,7 +427,7 @@
           <a:p>
             <a:fld id="{2485E9DA-D8C1-4CB3-AA1D-2F0F44DCFE34}" type="datetimeFigureOut">
               <a:rPr lang="fr-FR" smtClean="0"/>
-              <a:t>04/05/2021</a:t>
+              <a:t>11/05/2021</a:t>
             </a:fld>
             <a:endParaRPr lang="fr-FR"/>
           </a:p>
@@ -607,7 +607,7 @@
           <a:p>
             <a:fld id="{2485E9DA-D8C1-4CB3-AA1D-2F0F44DCFE34}" type="datetimeFigureOut">
               <a:rPr lang="fr-FR" smtClean="0"/>
-              <a:t>04/05/2021</a:t>
+              <a:t>11/05/2021</a:t>
             </a:fld>
             <a:endParaRPr lang="fr-FR"/>
           </a:p>
@@ -777,7 +777,7 @@
           <a:p>
             <a:fld id="{2485E9DA-D8C1-4CB3-AA1D-2F0F44DCFE34}" type="datetimeFigureOut">
               <a:rPr lang="fr-FR" smtClean="0"/>
-              <a:t>04/05/2021</a:t>
+              <a:t>11/05/2021</a:t>
             </a:fld>
             <a:endParaRPr lang="fr-FR"/>
           </a:p>
@@ -1023,7 +1023,7 @@
           <a:p>
             <a:fld id="{2485E9DA-D8C1-4CB3-AA1D-2F0F44DCFE34}" type="datetimeFigureOut">
               <a:rPr lang="fr-FR" smtClean="0"/>
-              <a:t>04/05/2021</a:t>
+              <a:t>11/05/2021</a:t>
             </a:fld>
             <a:endParaRPr lang="fr-FR"/>
           </a:p>
@@ -1255,7 +1255,7 @@
           <a:p>
             <a:fld id="{2485E9DA-D8C1-4CB3-AA1D-2F0F44DCFE34}" type="datetimeFigureOut">
               <a:rPr lang="fr-FR" smtClean="0"/>
-              <a:t>04/05/2021</a:t>
+              <a:t>11/05/2021</a:t>
             </a:fld>
             <a:endParaRPr lang="fr-FR"/>
           </a:p>
@@ -1622,7 +1622,7 @@
           <a:p>
             <a:fld id="{2485E9DA-D8C1-4CB3-AA1D-2F0F44DCFE34}" type="datetimeFigureOut">
               <a:rPr lang="fr-FR" smtClean="0"/>
-              <a:t>04/05/2021</a:t>
+              <a:t>11/05/2021</a:t>
             </a:fld>
             <a:endParaRPr lang="fr-FR"/>
           </a:p>
@@ -1740,7 +1740,7 @@
           <a:p>
             <a:fld id="{2485E9DA-D8C1-4CB3-AA1D-2F0F44DCFE34}" type="datetimeFigureOut">
               <a:rPr lang="fr-FR" smtClean="0"/>
-              <a:t>04/05/2021</a:t>
+              <a:t>11/05/2021</a:t>
             </a:fld>
             <a:endParaRPr lang="fr-FR"/>
           </a:p>
@@ -1835,7 +1835,7 @@
           <a:p>
             <a:fld id="{2485E9DA-D8C1-4CB3-AA1D-2F0F44DCFE34}" type="datetimeFigureOut">
               <a:rPr lang="fr-FR" smtClean="0"/>
-              <a:t>04/05/2021</a:t>
+              <a:t>11/05/2021</a:t>
             </a:fld>
             <a:endParaRPr lang="fr-FR"/>
           </a:p>
@@ -2112,7 +2112,7 @@
           <a:p>
             <a:fld id="{2485E9DA-D8C1-4CB3-AA1D-2F0F44DCFE34}" type="datetimeFigureOut">
               <a:rPr lang="fr-FR" smtClean="0"/>
-              <a:t>04/05/2021</a:t>
+              <a:t>11/05/2021</a:t>
             </a:fld>
             <a:endParaRPr lang="fr-FR"/>
           </a:p>
@@ -2365,7 +2365,7 @@
           <a:p>
             <a:fld id="{2485E9DA-D8C1-4CB3-AA1D-2F0F44DCFE34}" type="datetimeFigureOut">
               <a:rPr lang="fr-FR" smtClean="0"/>
-              <a:t>04/05/2021</a:t>
+              <a:t>11/05/2021</a:t>
             </a:fld>
             <a:endParaRPr lang="fr-FR"/>
           </a:p>
@@ -2578,7 +2578,7 @@
           <a:p>
             <a:fld id="{2485E9DA-D8C1-4CB3-AA1D-2F0F44DCFE34}" type="datetimeFigureOut">
               <a:rPr lang="fr-FR" smtClean="0"/>
-              <a:t>04/05/2021</a:t>
+              <a:t>11/05/2021</a:t>
             </a:fld>
             <a:endParaRPr lang="fr-FR"/>
           </a:p>
@@ -4659,11 +4659,7 @@
           <a:p>
             <a:r>
               <a:rPr lang="fr-FR" sz="2000" dirty="0" smtClean="0"/>
-              <a:t>‘Recherche’ </a:t>
-            </a:r>
-            <a:r>
-              <a:rPr lang="fr-FR" sz="2000" dirty="0" smtClean="0"/>
-              <a:t>sur l’ACP</a:t>
+              <a:t>‘Recherche’ sur l’ACP</a:t>
             </a:r>
             <a:endParaRPr lang="fr-FR" sz="2000" dirty="0"/>
           </a:p>
@@ -4967,7 +4963,7 @@
         <p:spPr>
           <a:xfrm>
             <a:off x="920579" y="387178"/>
-            <a:ext cx="10515600" cy="698029"/>
+            <a:ext cx="4590535" cy="698029"/>
           </a:xfrm>
           <a:prstGeom prst="rect">
             <a:avLst/>
@@ -5016,7 +5012,7 @@
         <p:spPr>
           <a:xfrm>
             <a:off x="920579" y="1243034"/>
-            <a:ext cx="10515600" cy="1669041"/>
+            <a:ext cx="5158945" cy="1228317"/>
           </a:xfrm>
           <a:prstGeom prst="rect">
             <a:avLst/>
@@ -5216,6 +5212,554 @@
             <a:r>
               <a:rPr lang="fr-FR" sz="2000" dirty="0" err="1" smtClean="0"/>
               <a:t>kmeans</a:t>
+            </a:r>
+            <a:endParaRPr lang="fr-FR" sz="2000" dirty="0"/>
+          </a:p>
+        </p:txBody>
+      </p:sp>
+      <p:sp>
+        <p:nvSpPr>
+          <p:cNvPr id="6" name="Titre 1"/>
+          <p:cNvSpPr txBox="1">
+            <a:spLocks/>
+          </p:cNvSpPr>
+          <p:nvPr/>
+        </p:nvSpPr>
+        <p:spPr>
+          <a:xfrm>
+            <a:off x="920579" y="2327189"/>
+            <a:ext cx="4590535" cy="698029"/>
+          </a:xfrm>
+          <a:prstGeom prst="rect">
+            <a:avLst/>
+          </a:prstGeom>
+        </p:spPr>
+        <p:txBody>
+          <a:bodyPr vert="horz" lIns="91440" tIns="45720" rIns="91440" bIns="45720" rtlCol="0" anchor="ctr">
+            <a:normAutofit/>
+          </a:bodyPr>
+          <a:lstStyle>
+            <a:lvl1pPr algn="l" defTabSz="914400" rtl="0" eaLnBrk="1" latinLnBrk="0" hangingPunct="1">
+              <a:lnSpc>
+                <a:spcPct val="90000"/>
+              </a:lnSpc>
+              <a:spcBef>
+                <a:spcPct val="0"/>
+              </a:spcBef>
+              <a:buNone/>
+              <a:defRPr sz="4400" kern="1200">
+                <a:solidFill>
+                  <a:schemeClr val="tx1"/>
+                </a:solidFill>
+                <a:latin typeface="+mj-lt"/>
+                <a:ea typeface="+mj-ea"/>
+                <a:cs typeface="+mj-cs"/>
+              </a:defRPr>
+            </a:lvl1pPr>
+          </a:lstStyle>
+          <a:p>
+            <a:r>
+              <a:rPr lang="fr-FR" sz="2000" i="1" dirty="0" smtClean="0"/>
+              <a:t>10</a:t>
+            </a:r>
+            <a:r>
+              <a:rPr lang="fr-FR" sz="2000" i="1" dirty="0" smtClean="0"/>
+              <a:t>/05/21</a:t>
+            </a:r>
+            <a:endParaRPr lang="fr-FR" sz="2000" i="1" dirty="0"/>
+          </a:p>
+        </p:txBody>
+      </p:sp>
+      <p:sp>
+        <p:nvSpPr>
+          <p:cNvPr id="7" name="Espace réservé du contenu 2"/>
+          <p:cNvSpPr txBox="1">
+            <a:spLocks/>
+          </p:cNvSpPr>
+          <p:nvPr/>
+        </p:nvSpPr>
+        <p:spPr>
+          <a:xfrm>
+            <a:off x="920579" y="3183046"/>
+            <a:ext cx="5158945" cy="926328"/>
+          </a:xfrm>
+          <a:prstGeom prst="rect">
+            <a:avLst/>
+          </a:prstGeom>
+        </p:spPr>
+        <p:txBody>
+          <a:bodyPr vert="horz" lIns="91440" tIns="45720" rIns="91440" bIns="45720" rtlCol="0">
+            <a:normAutofit/>
+          </a:bodyPr>
+          <a:lstStyle>
+            <a:lvl1pPr marL="228600" indent="-228600" algn="l" defTabSz="914400" rtl="0" eaLnBrk="1" latinLnBrk="0" hangingPunct="1">
+              <a:lnSpc>
+                <a:spcPct val="90000"/>
+              </a:lnSpc>
+              <a:spcBef>
+                <a:spcPts val="1000"/>
+              </a:spcBef>
+              <a:buFont typeface="Arial" panose="020B0604020202020204" pitchFamily="34" charset="0"/>
+              <a:buChar char="•"/>
+              <a:defRPr sz="2800" kern="1200">
+                <a:solidFill>
+                  <a:schemeClr val="tx1"/>
+                </a:solidFill>
+                <a:latin typeface="+mn-lt"/>
+                <a:ea typeface="+mn-ea"/>
+                <a:cs typeface="+mn-cs"/>
+              </a:defRPr>
+            </a:lvl1pPr>
+            <a:lvl2pPr marL="685800" indent="-228600" algn="l" defTabSz="914400" rtl="0" eaLnBrk="1" latinLnBrk="0" hangingPunct="1">
+              <a:lnSpc>
+                <a:spcPct val="90000"/>
+              </a:lnSpc>
+              <a:spcBef>
+                <a:spcPts val="500"/>
+              </a:spcBef>
+              <a:buFont typeface="Arial" panose="020B0604020202020204" pitchFamily="34" charset="0"/>
+              <a:buChar char="•"/>
+              <a:defRPr sz="2400" kern="1200">
+                <a:solidFill>
+                  <a:schemeClr val="tx1"/>
+                </a:solidFill>
+                <a:latin typeface="+mn-lt"/>
+                <a:ea typeface="+mn-ea"/>
+                <a:cs typeface="+mn-cs"/>
+              </a:defRPr>
+            </a:lvl2pPr>
+            <a:lvl3pPr marL="1143000" indent="-228600" algn="l" defTabSz="914400" rtl="0" eaLnBrk="1" latinLnBrk="0" hangingPunct="1">
+              <a:lnSpc>
+                <a:spcPct val="90000"/>
+              </a:lnSpc>
+              <a:spcBef>
+                <a:spcPts val="500"/>
+              </a:spcBef>
+              <a:buFont typeface="Arial" panose="020B0604020202020204" pitchFamily="34" charset="0"/>
+              <a:buChar char="•"/>
+              <a:defRPr sz="2000" kern="1200">
+                <a:solidFill>
+                  <a:schemeClr val="tx1"/>
+                </a:solidFill>
+                <a:latin typeface="+mn-lt"/>
+                <a:ea typeface="+mn-ea"/>
+                <a:cs typeface="+mn-cs"/>
+              </a:defRPr>
+            </a:lvl3pPr>
+            <a:lvl4pPr marL="1600200" indent="-228600" algn="l" defTabSz="914400" rtl="0" eaLnBrk="1" latinLnBrk="0" hangingPunct="1">
+              <a:lnSpc>
+                <a:spcPct val="90000"/>
+              </a:lnSpc>
+              <a:spcBef>
+                <a:spcPts val="500"/>
+              </a:spcBef>
+              <a:buFont typeface="Arial" panose="020B0604020202020204" pitchFamily="34" charset="0"/>
+              <a:buChar char="•"/>
+              <a:defRPr sz="1800" kern="1200">
+                <a:solidFill>
+                  <a:schemeClr val="tx1"/>
+                </a:solidFill>
+                <a:latin typeface="+mn-lt"/>
+                <a:ea typeface="+mn-ea"/>
+                <a:cs typeface="+mn-cs"/>
+              </a:defRPr>
+            </a:lvl4pPr>
+            <a:lvl5pPr marL="2057400" indent="-228600" algn="l" defTabSz="914400" rtl="0" eaLnBrk="1" latinLnBrk="0" hangingPunct="1">
+              <a:lnSpc>
+                <a:spcPct val="90000"/>
+              </a:lnSpc>
+              <a:spcBef>
+                <a:spcPts val="500"/>
+              </a:spcBef>
+              <a:buFont typeface="Arial" panose="020B0604020202020204" pitchFamily="34" charset="0"/>
+              <a:buChar char="•"/>
+              <a:defRPr sz="1800" kern="1200">
+                <a:solidFill>
+                  <a:schemeClr val="tx1"/>
+                </a:solidFill>
+                <a:latin typeface="+mn-lt"/>
+                <a:ea typeface="+mn-ea"/>
+                <a:cs typeface="+mn-cs"/>
+              </a:defRPr>
+            </a:lvl5pPr>
+            <a:lvl6pPr marL="2514600" indent="-228600" algn="l" defTabSz="914400" rtl="0" eaLnBrk="1" latinLnBrk="0" hangingPunct="1">
+              <a:lnSpc>
+                <a:spcPct val="90000"/>
+              </a:lnSpc>
+              <a:spcBef>
+                <a:spcPts val="500"/>
+              </a:spcBef>
+              <a:buFont typeface="Arial" panose="020B0604020202020204" pitchFamily="34" charset="0"/>
+              <a:buChar char="•"/>
+              <a:defRPr sz="1800" kern="1200">
+                <a:solidFill>
+                  <a:schemeClr val="tx1"/>
+                </a:solidFill>
+                <a:latin typeface="+mn-lt"/>
+                <a:ea typeface="+mn-ea"/>
+                <a:cs typeface="+mn-cs"/>
+              </a:defRPr>
+            </a:lvl6pPr>
+            <a:lvl7pPr marL="2971800" indent="-228600" algn="l" defTabSz="914400" rtl="0" eaLnBrk="1" latinLnBrk="0" hangingPunct="1">
+              <a:lnSpc>
+                <a:spcPct val="90000"/>
+              </a:lnSpc>
+              <a:spcBef>
+                <a:spcPts val="500"/>
+              </a:spcBef>
+              <a:buFont typeface="Arial" panose="020B0604020202020204" pitchFamily="34" charset="0"/>
+              <a:buChar char="•"/>
+              <a:defRPr sz="1800" kern="1200">
+                <a:solidFill>
+                  <a:schemeClr val="tx1"/>
+                </a:solidFill>
+                <a:latin typeface="+mn-lt"/>
+                <a:ea typeface="+mn-ea"/>
+                <a:cs typeface="+mn-cs"/>
+              </a:defRPr>
+            </a:lvl7pPr>
+            <a:lvl8pPr marL="3429000" indent="-228600" algn="l" defTabSz="914400" rtl="0" eaLnBrk="1" latinLnBrk="0" hangingPunct="1">
+              <a:lnSpc>
+                <a:spcPct val="90000"/>
+              </a:lnSpc>
+              <a:spcBef>
+                <a:spcPts val="500"/>
+              </a:spcBef>
+              <a:buFont typeface="Arial" panose="020B0604020202020204" pitchFamily="34" charset="0"/>
+              <a:buChar char="•"/>
+              <a:defRPr sz="1800" kern="1200">
+                <a:solidFill>
+                  <a:schemeClr val="tx1"/>
+                </a:solidFill>
+                <a:latin typeface="+mn-lt"/>
+                <a:ea typeface="+mn-ea"/>
+                <a:cs typeface="+mn-cs"/>
+              </a:defRPr>
+            </a:lvl8pPr>
+            <a:lvl9pPr marL="3886200" indent="-228600" algn="l" defTabSz="914400" rtl="0" eaLnBrk="1" latinLnBrk="0" hangingPunct="1">
+              <a:lnSpc>
+                <a:spcPct val="90000"/>
+              </a:lnSpc>
+              <a:spcBef>
+                <a:spcPts val="500"/>
+              </a:spcBef>
+              <a:buFont typeface="Arial" panose="020B0604020202020204" pitchFamily="34" charset="0"/>
+              <a:buChar char="•"/>
+              <a:defRPr sz="1800" kern="1200">
+                <a:solidFill>
+                  <a:schemeClr val="tx1"/>
+                </a:solidFill>
+                <a:latin typeface="+mn-lt"/>
+                <a:ea typeface="+mn-ea"/>
+                <a:cs typeface="+mn-cs"/>
+              </a:defRPr>
+            </a:lvl9pPr>
+          </a:lstStyle>
+          <a:p>
+            <a:r>
+              <a:rPr lang="fr-FR" sz="2000" dirty="0" smtClean="0"/>
+              <a:t>Tentative </a:t>
+            </a:r>
+            <a:r>
+              <a:rPr lang="fr-FR" sz="2000" dirty="0" smtClean="0"/>
+              <a:t>mise en commun </a:t>
+            </a:r>
+            <a:r>
+              <a:rPr lang="fr-FR" sz="2000" dirty="0" err="1" smtClean="0"/>
+              <a:t>acp</a:t>
+            </a:r>
+            <a:r>
+              <a:rPr lang="fr-FR" sz="2000" dirty="0" smtClean="0"/>
+              <a:t> et </a:t>
+            </a:r>
+            <a:r>
+              <a:rPr lang="fr-FR" sz="2000" dirty="0" err="1" smtClean="0"/>
+              <a:t>kmeans</a:t>
+            </a:r>
+            <a:endParaRPr lang="fr-FR" sz="2000" dirty="0" smtClean="0"/>
+          </a:p>
+          <a:p>
+            <a:r>
+              <a:rPr lang="fr-FR" sz="2000" dirty="0" err="1" smtClean="0"/>
+              <a:t>presentation</a:t>
+            </a:r>
+            <a:endParaRPr lang="fr-FR" sz="2000" dirty="0"/>
+          </a:p>
+        </p:txBody>
+      </p:sp>
+      <p:sp>
+        <p:nvSpPr>
+          <p:cNvPr id="8" name="Titre 1"/>
+          <p:cNvSpPr txBox="1">
+            <a:spLocks/>
+          </p:cNvSpPr>
+          <p:nvPr/>
+        </p:nvSpPr>
+        <p:spPr>
+          <a:xfrm>
+            <a:off x="920579" y="4267202"/>
+            <a:ext cx="4590535" cy="698029"/>
+          </a:xfrm>
+          <a:prstGeom prst="rect">
+            <a:avLst/>
+          </a:prstGeom>
+        </p:spPr>
+        <p:txBody>
+          <a:bodyPr vert="horz" lIns="91440" tIns="45720" rIns="91440" bIns="45720" rtlCol="0" anchor="ctr">
+            <a:normAutofit/>
+          </a:bodyPr>
+          <a:lstStyle>
+            <a:lvl1pPr algn="l" defTabSz="914400" rtl="0" eaLnBrk="1" latinLnBrk="0" hangingPunct="1">
+              <a:lnSpc>
+                <a:spcPct val="90000"/>
+              </a:lnSpc>
+              <a:spcBef>
+                <a:spcPct val="0"/>
+              </a:spcBef>
+              <a:buNone/>
+              <a:defRPr sz="4400" kern="1200">
+                <a:solidFill>
+                  <a:schemeClr val="tx1"/>
+                </a:solidFill>
+                <a:latin typeface="+mj-lt"/>
+                <a:ea typeface="+mj-ea"/>
+                <a:cs typeface="+mj-cs"/>
+              </a:defRPr>
+            </a:lvl1pPr>
+          </a:lstStyle>
+          <a:p>
+            <a:r>
+              <a:rPr lang="fr-FR" sz="2000" i="1" dirty="0" smtClean="0"/>
+              <a:t>11</a:t>
+            </a:r>
+            <a:r>
+              <a:rPr lang="fr-FR" sz="2000" i="1" dirty="0" smtClean="0"/>
+              <a:t>/05/21</a:t>
+            </a:r>
+            <a:endParaRPr lang="fr-FR" sz="2000" i="1" dirty="0"/>
+          </a:p>
+        </p:txBody>
+      </p:sp>
+      <p:sp>
+        <p:nvSpPr>
+          <p:cNvPr id="9" name="Espace réservé du contenu 2"/>
+          <p:cNvSpPr txBox="1">
+            <a:spLocks/>
+          </p:cNvSpPr>
+          <p:nvPr/>
+        </p:nvSpPr>
+        <p:spPr>
+          <a:xfrm>
+            <a:off x="920579" y="5123059"/>
+            <a:ext cx="5158945" cy="926328"/>
+          </a:xfrm>
+          <a:prstGeom prst="rect">
+            <a:avLst/>
+          </a:prstGeom>
+        </p:spPr>
+        <p:txBody>
+          <a:bodyPr vert="horz" lIns="91440" tIns="45720" rIns="91440" bIns="45720" rtlCol="0">
+            <a:normAutofit/>
+          </a:bodyPr>
+          <a:lstStyle>
+            <a:lvl1pPr marL="228600" indent="-228600" algn="l" defTabSz="914400" rtl="0" eaLnBrk="1" latinLnBrk="0" hangingPunct="1">
+              <a:lnSpc>
+                <a:spcPct val="90000"/>
+              </a:lnSpc>
+              <a:spcBef>
+                <a:spcPts val="1000"/>
+              </a:spcBef>
+              <a:buFont typeface="Arial" panose="020B0604020202020204" pitchFamily="34" charset="0"/>
+              <a:buChar char="•"/>
+              <a:defRPr sz="2800" kern="1200">
+                <a:solidFill>
+                  <a:schemeClr val="tx1"/>
+                </a:solidFill>
+                <a:latin typeface="+mn-lt"/>
+                <a:ea typeface="+mn-ea"/>
+                <a:cs typeface="+mn-cs"/>
+              </a:defRPr>
+            </a:lvl1pPr>
+            <a:lvl2pPr marL="685800" indent="-228600" algn="l" defTabSz="914400" rtl="0" eaLnBrk="1" latinLnBrk="0" hangingPunct="1">
+              <a:lnSpc>
+                <a:spcPct val="90000"/>
+              </a:lnSpc>
+              <a:spcBef>
+                <a:spcPts val="500"/>
+              </a:spcBef>
+              <a:buFont typeface="Arial" panose="020B0604020202020204" pitchFamily="34" charset="0"/>
+              <a:buChar char="•"/>
+              <a:defRPr sz="2400" kern="1200">
+                <a:solidFill>
+                  <a:schemeClr val="tx1"/>
+                </a:solidFill>
+                <a:latin typeface="+mn-lt"/>
+                <a:ea typeface="+mn-ea"/>
+                <a:cs typeface="+mn-cs"/>
+              </a:defRPr>
+            </a:lvl2pPr>
+            <a:lvl3pPr marL="1143000" indent="-228600" algn="l" defTabSz="914400" rtl="0" eaLnBrk="1" latinLnBrk="0" hangingPunct="1">
+              <a:lnSpc>
+                <a:spcPct val="90000"/>
+              </a:lnSpc>
+              <a:spcBef>
+                <a:spcPts val="500"/>
+              </a:spcBef>
+              <a:buFont typeface="Arial" panose="020B0604020202020204" pitchFamily="34" charset="0"/>
+              <a:buChar char="•"/>
+              <a:defRPr sz="2000" kern="1200">
+                <a:solidFill>
+                  <a:schemeClr val="tx1"/>
+                </a:solidFill>
+                <a:latin typeface="+mn-lt"/>
+                <a:ea typeface="+mn-ea"/>
+                <a:cs typeface="+mn-cs"/>
+              </a:defRPr>
+            </a:lvl3pPr>
+            <a:lvl4pPr marL="1600200" indent="-228600" algn="l" defTabSz="914400" rtl="0" eaLnBrk="1" latinLnBrk="0" hangingPunct="1">
+              <a:lnSpc>
+                <a:spcPct val="90000"/>
+              </a:lnSpc>
+              <a:spcBef>
+                <a:spcPts val="500"/>
+              </a:spcBef>
+              <a:buFont typeface="Arial" panose="020B0604020202020204" pitchFamily="34" charset="0"/>
+              <a:buChar char="•"/>
+              <a:defRPr sz="1800" kern="1200">
+                <a:solidFill>
+                  <a:schemeClr val="tx1"/>
+                </a:solidFill>
+                <a:latin typeface="+mn-lt"/>
+                <a:ea typeface="+mn-ea"/>
+                <a:cs typeface="+mn-cs"/>
+              </a:defRPr>
+            </a:lvl4pPr>
+            <a:lvl5pPr marL="2057400" indent="-228600" algn="l" defTabSz="914400" rtl="0" eaLnBrk="1" latinLnBrk="0" hangingPunct="1">
+              <a:lnSpc>
+                <a:spcPct val="90000"/>
+              </a:lnSpc>
+              <a:spcBef>
+                <a:spcPts val="500"/>
+              </a:spcBef>
+              <a:buFont typeface="Arial" panose="020B0604020202020204" pitchFamily="34" charset="0"/>
+              <a:buChar char="•"/>
+              <a:defRPr sz="1800" kern="1200">
+                <a:solidFill>
+                  <a:schemeClr val="tx1"/>
+                </a:solidFill>
+                <a:latin typeface="+mn-lt"/>
+                <a:ea typeface="+mn-ea"/>
+                <a:cs typeface="+mn-cs"/>
+              </a:defRPr>
+            </a:lvl5pPr>
+            <a:lvl6pPr marL="2514600" indent="-228600" algn="l" defTabSz="914400" rtl="0" eaLnBrk="1" latinLnBrk="0" hangingPunct="1">
+              <a:lnSpc>
+                <a:spcPct val="90000"/>
+              </a:lnSpc>
+              <a:spcBef>
+                <a:spcPts val="500"/>
+              </a:spcBef>
+              <a:buFont typeface="Arial" panose="020B0604020202020204" pitchFamily="34" charset="0"/>
+              <a:buChar char="•"/>
+              <a:defRPr sz="1800" kern="1200">
+                <a:solidFill>
+                  <a:schemeClr val="tx1"/>
+                </a:solidFill>
+                <a:latin typeface="+mn-lt"/>
+                <a:ea typeface="+mn-ea"/>
+                <a:cs typeface="+mn-cs"/>
+              </a:defRPr>
+            </a:lvl6pPr>
+            <a:lvl7pPr marL="2971800" indent="-228600" algn="l" defTabSz="914400" rtl="0" eaLnBrk="1" latinLnBrk="0" hangingPunct="1">
+              <a:lnSpc>
+                <a:spcPct val="90000"/>
+              </a:lnSpc>
+              <a:spcBef>
+                <a:spcPts val="500"/>
+              </a:spcBef>
+              <a:buFont typeface="Arial" panose="020B0604020202020204" pitchFamily="34" charset="0"/>
+              <a:buChar char="•"/>
+              <a:defRPr sz="1800" kern="1200">
+                <a:solidFill>
+                  <a:schemeClr val="tx1"/>
+                </a:solidFill>
+                <a:latin typeface="+mn-lt"/>
+                <a:ea typeface="+mn-ea"/>
+                <a:cs typeface="+mn-cs"/>
+              </a:defRPr>
+            </a:lvl7pPr>
+            <a:lvl8pPr marL="3429000" indent="-228600" algn="l" defTabSz="914400" rtl="0" eaLnBrk="1" latinLnBrk="0" hangingPunct="1">
+              <a:lnSpc>
+                <a:spcPct val="90000"/>
+              </a:lnSpc>
+              <a:spcBef>
+                <a:spcPts val="500"/>
+              </a:spcBef>
+              <a:buFont typeface="Arial" panose="020B0604020202020204" pitchFamily="34" charset="0"/>
+              <a:buChar char="•"/>
+              <a:defRPr sz="1800" kern="1200">
+                <a:solidFill>
+                  <a:schemeClr val="tx1"/>
+                </a:solidFill>
+                <a:latin typeface="+mn-lt"/>
+                <a:ea typeface="+mn-ea"/>
+                <a:cs typeface="+mn-cs"/>
+              </a:defRPr>
+            </a:lvl8pPr>
+            <a:lvl9pPr marL="3886200" indent="-228600" algn="l" defTabSz="914400" rtl="0" eaLnBrk="1" latinLnBrk="0" hangingPunct="1">
+              <a:lnSpc>
+                <a:spcPct val="90000"/>
+              </a:lnSpc>
+              <a:spcBef>
+                <a:spcPts val="500"/>
+              </a:spcBef>
+              <a:buFont typeface="Arial" panose="020B0604020202020204" pitchFamily="34" charset="0"/>
+              <a:buChar char="•"/>
+              <a:defRPr sz="1800" kern="1200">
+                <a:solidFill>
+                  <a:schemeClr val="tx1"/>
+                </a:solidFill>
+                <a:latin typeface="+mn-lt"/>
+                <a:ea typeface="+mn-ea"/>
+                <a:cs typeface="+mn-cs"/>
+              </a:defRPr>
+            </a:lvl9pPr>
+          </a:lstStyle>
+          <a:p>
+            <a:r>
+              <a:rPr lang="fr-FR" sz="2000" dirty="0" smtClean="0"/>
+              <a:t>Recherche: </a:t>
+            </a:r>
+            <a:r>
+              <a:rPr lang="fr-FR" sz="2000" dirty="0" err="1" smtClean="0"/>
+              <a:t>unsupervised</a:t>
+            </a:r>
+            <a:r>
+              <a:rPr lang="fr-FR" sz="2000" dirty="0" smtClean="0"/>
+              <a:t> ML, </a:t>
+            </a:r>
+            <a:r>
+              <a:rPr lang="fr-FR" sz="2000" dirty="0" err="1" smtClean="0"/>
+              <a:t>Sklearn</a:t>
+            </a:r>
+            <a:r>
+              <a:rPr lang="fr-FR" sz="2000" dirty="0" smtClean="0"/>
+              <a:t> </a:t>
+            </a:r>
+            <a:r>
+              <a:rPr lang="fr-FR" sz="2000" dirty="0" err="1" smtClean="0"/>
+              <a:t>library</a:t>
+            </a:r>
+            <a:endParaRPr lang="fr-FR" sz="2000" dirty="0" smtClean="0"/>
+          </a:p>
+          <a:p>
+            <a:r>
+              <a:rPr lang="fr-FR" sz="2000" dirty="0" err="1" smtClean="0"/>
+              <a:t>Presentation</a:t>
+            </a:r>
+            <a:r>
+              <a:rPr lang="fr-FR" sz="2000" dirty="0" smtClean="0"/>
+              <a:t> plus poussée</a:t>
             </a:r>
             <a:endParaRPr lang="fr-FR" sz="2000" dirty="0"/>
           </a:p>
